--- a/2aEntrega_Patrones.pptx
+++ b/2aEntrega_Patrones.pptx
@@ -106,6 +106,11 @@
       </a:defRPr>
     </a:lvl9pPr>
   </p:defaultTextStyle>
+  <p:extLst>
+    <p:ext uri="{EFAFB233-063F-42B5-8137-9DF3F51BA10A}">
+      <p15:sldGuideLst xmlns:p15="http://schemas.microsoft.com/office/powerpoint/2012/main"/>
+    </p:ext>
+  </p:extLst>
 </p:presentation>
 </file>
 
@@ -185,6 +190,30 @@
             <pc:docMk/>
             <pc:sldMk cId="565602947" sldId="306"/>
             <ac:spMk id="8" creationId="{C736D5E5-4998-49FF-BA2F-F3A1D75F7DDA}"/>
+          </ac:spMkLst>
+        </pc:spChg>
+      </pc:sldChg>
+    </pc:docChg>
+  </pc:docChgLst>
+  <pc:docChgLst>
+    <pc:chgData name="Cesar Augusto Lopez Gallego" userId="0dfa9112-9251-4882-b472-cf2dfcee09d1" providerId="ADAL" clId="{6AC52C91-E1AC-4B52-B7B1-A2166177CA3E}"/>
+    <pc:docChg chg="custSel modSld">
+      <pc:chgData name="Cesar Augusto Lopez Gallego" userId="0dfa9112-9251-4882-b472-cf2dfcee09d1" providerId="ADAL" clId="{6AC52C91-E1AC-4B52-B7B1-A2166177CA3E}" dt="2025-09-10T12:53:54.396" v="18" actId="20577"/>
+      <pc:docMkLst>
+        <pc:docMk/>
+      </pc:docMkLst>
+      <pc:sldChg chg="modSp mod">
+        <pc:chgData name="Cesar Augusto Lopez Gallego" userId="0dfa9112-9251-4882-b472-cf2dfcee09d1" providerId="ADAL" clId="{6AC52C91-E1AC-4B52-B7B1-A2166177CA3E}" dt="2025-09-10T12:53:54.396" v="18" actId="20577"/>
+        <pc:sldMkLst>
+          <pc:docMk/>
+          <pc:sldMk cId="422681083" sldId="305"/>
+        </pc:sldMkLst>
+        <pc:spChg chg="mod">
+          <ac:chgData name="Cesar Augusto Lopez Gallego" userId="0dfa9112-9251-4882-b472-cf2dfcee09d1" providerId="ADAL" clId="{6AC52C91-E1AC-4B52-B7B1-A2166177CA3E}" dt="2025-09-10T12:53:54.396" v="18" actId="20577"/>
+          <ac:spMkLst>
+            <pc:docMk/>
+            <pc:sldMk cId="422681083" sldId="305"/>
+            <ac:spMk id="6" creationId="{5C0C99DA-22F6-46E8-BA20-C0B99D54A67D}"/>
           </ac:spMkLst>
         </pc:spChg>
       </pc:sldChg>
@@ -1332,7 +1361,7 @@
           <a:p>
             <a:fld id="{6B86245D-015E-46AE-96CC-32E8A5E9A1DF}" type="datetimeFigureOut">
               <a:rPr lang="es-CO" smtClean="0"/>
-              <a:t>9/09/2025</a:t>
+              <a:t>10/09/2025</a:t>
             </a:fld>
             <a:endParaRPr lang="es-CO"/>
           </a:p>
@@ -1578,7 +1607,7 @@
           <a:p>
             <a:fld id="{6B86245D-015E-46AE-96CC-32E8A5E9A1DF}" type="datetimeFigureOut">
               <a:rPr lang="es-CO" smtClean="0"/>
-              <a:t>9/09/2025</a:t>
+              <a:t>10/09/2025</a:t>
             </a:fld>
             <a:endParaRPr lang="es-CO"/>
           </a:p>
@@ -1748,7 +1777,7 @@
           <a:p>
             <a:fld id="{6B86245D-015E-46AE-96CC-32E8A5E9A1DF}" type="datetimeFigureOut">
               <a:rPr lang="es-CO" smtClean="0"/>
-              <a:t>9/09/2025</a:t>
+              <a:t>10/09/2025</a:t>
             </a:fld>
             <a:endParaRPr lang="es-CO"/>
           </a:p>
@@ -1980,7 +2009,7 @@
           <a:p>
             <a:fld id="{6B86245D-015E-46AE-96CC-32E8A5E9A1DF}" type="datetimeFigureOut">
               <a:rPr lang="es-CO" smtClean="0"/>
-              <a:t>9/09/2025</a:t>
+              <a:t>10/09/2025</a:t>
             </a:fld>
             <a:endParaRPr lang="es-CO"/>
           </a:p>
@@ -2172,7 +2201,7 @@
           <a:p>
             <a:fld id="{6B86245D-015E-46AE-96CC-32E8A5E9A1DF}" type="datetimeFigureOut">
               <a:rPr lang="es-CO" smtClean="0"/>
-              <a:t>9/09/2025</a:t>
+              <a:t>10/09/2025</a:t>
             </a:fld>
             <a:endParaRPr lang="es-CO"/>
           </a:p>
@@ -4177,7 +4206,33 @@
                 <a:ea typeface="+mn-ea"/>
                 <a:cs typeface="+mn-cs"/>
               </a:rPr>
-              <a:t>15  minutos para exponer con lujo de detalles, el rediseño aplicando los principios SOLID y la implementación de esta forma:</a:t>
+              <a:t>15  minutos para exponer con lujo de detalles, el rediseño aplicando </a:t>
+            </a:r>
+            <a:r>
+              <a:rPr lang="es-ES" dirty="0">
+                <a:solidFill>
+                  <a:prstClr val="black"/>
+                </a:solidFill>
+                <a:latin typeface="Calibri" panose="020F0502020204030204"/>
+              </a:rPr>
+              <a:t>PATRONES </a:t>
+            </a:r>
+            <a:r>
+              <a:rPr kumimoji="0" lang="es-ES" sz="1800" b="0" i="0" u="none" strike="noStrike" kern="1200" cap="none" spc="0" normalizeH="0" baseline="0" noProof="0" dirty="0">
+                <a:ln>
+                  <a:noFill/>
+                </a:ln>
+                <a:solidFill>
+                  <a:prstClr val="black"/>
+                </a:solidFill>
+                <a:effectLst/>
+                <a:uLnTx/>
+                <a:uFillTx/>
+                <a:latin typeface="Calibri" panose="020F0502020204030204"/>
+                <a:ea typeface="+mn-ea"/>
+                <a:cs typeface="+mn-cs"/>
+              </a:rPr>
+              <a:t>y la implementación de esta forma:</a:t>
             </a:r>
           </a:p>
           <a:p>
@@ -4283,7 +4338,7 @@
                 <a:ea typeface="+mn-ea"/>
                 <a:cs typeface="+mn-cs"/>
               </a:rPr>
-              <a:t>Luego, presentar el diagrama </a:t>
+              <a:t>Luego, presentar el diagrama “</a:t>
             </a:r>
             <a:r>
               <a:rPr kumimoji="0" lang="es-ES" sz="1800" b="0" i="0" u="none" strike="noStrike" kern="1200" cap="none" spc="0" normalizeH="0" baseline="0" noProof="0" dirty="0" err="1">
@@ -4317,7 +4372,7 @@
                 <a:ea typeface="+mn-ea"/>
                 <a:cs typeface="+mn-cs"/>
               </a:rPr>
-              <a:t> be ya con los cambios que se incorporaron. Los cambios deben poder ser evidenciados con colores distintos.</a:t>
+              <a:t>-be” ya con los cambios que se incorporaron. Los cambios deben poder ser evidenciados con colores distintos.</a:t>
             </a:r>
           </a:p>
           <a:p>
